--- a/files/code-rrt/Etiology.pptx
+++ b/files/code-rrt/Etiology.pptx
@@ -5,18 +5,16 @@
     <p:sldMasterId id="2147483712" r:id="rId1"/>
   </p:sldMasterIdLst>
   <p:notesMasterIdLst>
-    <p:notesMasterId r:id="rId11"/>
+    <p:notesMasterId r:id="rId9"/>
   </p:notesMasterIdLst>
   <p:sldIdLst>
-    <p:sldId id="256" r:id="rId2"/>
-    <p:sldId id="257" r:id="rId3"/>
-    <p:sldId id="259" r:id="rId4"/>
-    <p:sldId id="291" r:id="rId5"/>
-    <p:sldId id="292" r:id="rId6"/>
-    <p:sldId id="262" r:id="rId7"/>
-    <p:sldId id="289" r:id="rId8"/>
-    <p:sldId id="287" r:id="rId9"/>
-    <p:sldId id="290" r:id="rId10"/>
+    <p:sldId id="259" r:id="rId2"/>
+    <p:sldId id="291" r:id="rId3"/>
+    <p:sldId id="292" r:id="rId4"/>
+    <p:sldId id="262" r:id="rId5"/>
+    <p:sldId id="289" r:id="rId6"/>
+    <p:sldId id="287" r:id="rId7"/>
+    <p:sldId id="290" r:id="rId8"/>
   </p:sldIdLst>
   <p:sldSz cx="12192000" cy="6858000"/>
   <p:notesSz cx="6858000" cy="9144000"/>
@@ -211,7 +209,7 @@
           <a:p>
             <a:fld id="{02D627ED-0613-459A-8201-9589B2687811}" type="datetimeFigureOut">
               <a:rPr lang="en-US" smtClean="0"/>
-              <a:t>5/16/24</a:t>
+              <a:t>5/23/24</a:t>
             </a:fld>
             <a:endParaRPr lang="en-US"/>
           </a:p>
@@ -522,7 +520,10 @@
           <a:bodyPr/>
           <a:lstStyle/>
           <a:p>
-            <a:endParaRPr lang="en-US" dirty="0"/>
+            <a:r>
+              <a:rPr lang="en-US" dirty="0"/>
+              <a:t>Meaning: a schema is an approach to think through the problem. You don’t need to memorize (others can do that / help), you need to understand the situation. That way, you can integrate hints about what things are more or less likely to be going on. </a:t>
+            </a:r>
           </a:p>
         </p:txBody>
       </p:sp>
@@ -543,7 +544,7 @@
           <a:p>
             <a:fld id="{8FC42398-296D-4598-8237-F6B844BE429C}" type="slidenum">
               <a:rPr lang="en-US" smtClean="0"/>
-              <a:t>1</a:t>
+              <a:t>4</a:t>
             </a:fld>
             <a:endParaRPr lang="en-US"/>
           </a:p>
@@ -552,7 +553,7 @@
     </p:spTree>
     <p:extLst>
       <p:ext uri="{BB962C8B-B14F-4D97-AF65-F5344CB8AC3E}">
-        <p14:creationId xmlns:p14="http://schemas.microsoft.com/office/powerpoint/2010/main" val="1939926384"/>
+        <p14:creationId xmlns:p14="http://schemas.microsoft.com/office/powerpoint/2010/main" val="659500684"/>
       </p:ext>
     </p:extLst>
   </p:cSld>
@@ -606,7 +607,42 @@
           <a:bodyPr/>
           <a:lstStyle/>
           <a:p>
+            <a:r>
+              <a:rPr lang="en-US" dirty="0"/>
+              <a:t>ABGs and VBGs can provide a lot of information. However, is this information useful?</a:t>
+            </a:r>
+          </a:p>
+          <a:p>
+            <a:pPr lvl="1"/>
+            <a:r>
+              <a:rPr lang="en-US" dirty="0"/>
+              <a:t>Often already addressing most things you would unveil with a gas.</a:t>
+            </a:r>
+          </a:p>
+          <a:p>
+            <a:pPr lvl="1"/>
+            <a:r>
+              <a:rPr lang="en-US" dirty="0"/>
+              <a:t>Depending on timing, gas results can be skewed by ongoing arrest and tissue ischemia.</a:t>
+            </a:r>
+          </a:p>
+          <a:p>
+            <a:r>
+              <a:rPr lang="en-US" dirty="0"/>
+              <a:t>Bottom Line: Nice to have if you can get it as long as this does not compromise ACLS.</a:t>
+            </a:r>
+          </a:p>
+          <a:p>
             <a:endParaRPr lang="en-US" dirty="0"/>
+          </a:p>
+          <a:p>
+            <a:endParaRPr lang="en-US" dirty="0"/>
+          </a:p>
+          <a:p>
+            <a:r>
+              <a:rPr lang="en-US" dirty="0"/>
+              <a:t>You’re rarely going to get definitive information, so just act. </a:t>
+            </a:r>
           </a:p>
         </p:txBody>
       </p:sp>
@@ -627,7 +663,7 @@
           <a:p>
             <a:fld id="{8FC42398-296D-4598-8237-F6B844BE429C}" type="slidenum">
               <a:rPr lang="en-US" smtClean="0"/>
-              <a:t>2</a:t>
+              <a:t>5</a:t>
             </a:fld>
             <a:endParaRPr lang="en-US"/>
           </a:p>
@@ -636,7 +672,7 @@
     </p:spTree>
     <p:extLst>
       <p:ext uri="{BB962C8B-B14F-4D97-AF65-F5344CB8AC3E}">
-        <p14:creationId xmlns:p14="http://schemas.microsoft.com/office/powerpoint/2010/main" val="2388405962"/>
+        <p14:creationId xmlns:p14="http://schemas.microsoft.com/office/powerpoint/2010/main" val="3423126428"/>
       </p:ext>
     </p:extLst>
   </p:cSld>
@@ -692,7 +728,7 @@
           <a:p>
             <a:r>
               <a:rPr lang="en-US" dirty="0"/>
-              <a:t>Meaning: a schema is an approach to think through the problem. You don’t need to memorize (others can do that / help), you need to understand the situation. That way, you can integrate hints about what things are more or less likely to be going on. </a:t>
+              <a:t>-- Verbalizing allows others to correct anything that might be wrong. </a:t>
             </a:r>
           </a:p>
         </p:txBody>
@@ -723,7 +759,7 @@
     </p:spTree>
     <p:extLst>
       <p:ext uri="{BB962C8B-B14F-4D97-AF65-F5344CB8AC3E}">
-        <p14:creationId xmlns:p14="http://schemas.microsoft.com/office/powerpoint/2010/main" val="659500684"/>
+        <p14:creationId xmlns:p14="http://schemas.microsoft.com/office/powerpoint/2010/main" val="74534204"/>
       </p:ext>
     </p:extLst>
   </p:cSld>
@@ -777,212 +813,6 @@
           <a:bodyPr/>
           <a:lstStyle/>
           <a:p>
-            <a:r>
-              <a:rPr lang="en-US" dirty="0"/>
-              <a:t>ABGs and VBGs can provide a lot of information. However, is this information useful?</a:t>
-            </a:r>
-          </a:p>
-          <a:p>
-            <a:pPr lvl="1"/>
-            <a:r>
-              <a:rPr lang="en-US" dirty="0"/>
-              <a:t>Often already addressing most things you would unveil with a gas.</a:t>
-            </a:r>
-          </a:p>
-          <a:p>
-            <a:pPr lvl="1"/>
-            <a:r>
-              <a:rPr lang="en-US" dirty="0"/>
-              <a:t>Depending on timing, gas results can be skewed by ongoing arrest and tissue ischemia.</a:t>
-            </a:r>
-          </a:p>
-          <a:p>
-            <a:r>
-              <a:rPr lang="en-US" dirty="0"/>
-              <a:t>Bottom Line: Nice to have if you can get it as long as this does not compromise ACLS.</a:t>
-            </a:r>
-          </a:p>
-          <a:p>
-            <a:endParaRPr lang="en-US" dirty="0"/>
-          </a:p>
-          <a:p>
-            <a:endParaRPr lang="en-US" dirty="0"/>
-          </a:p>
-          <a:p>
-            <a:r>
-              <a:rPr lang="en-US" dirty="0"/>
-              <a:t>You’re rarely going to get definitive information, so just act. </a:t>
-            </a:r>
-          </a:p>
-        </p:txBody>
-      </p:sp>
-      <p:sp>
-        <p:nvSpPr>
-          <p:cNvPr id="4" name="Slide Number Placeholder 3"/>
-          <p:cNvSpPr>
-            <a:spLocks noGrp="1"/>
-          </p:cNvSpPr>
-          <p:nvPr>
-            <p:ph type="sldNum" sz="quarter" idx="5"/>
-          </p:nvPr>
-        </p:nvSpPr>
-        <p:spPr/>
-        <p:txBody>
-          <a:bodyPr/>
-          <a:lstStyle/>
-          <a:p>
-            <a:fld id="{8FC42398-296D-4598-8237-F6B844BE429C}" type="slidenum">
-              <a:rPr lang="en-US" smtClean="0"/>
-              <a:t>7</a:t>
-            </a:fld>
-            <a:endParaRPr lang="en-US"/>
-          </a:p>
-        </p:txBody>
-      </p:sp>
-    </p:spTree>
-    <p:extLst>
-      <p:ext uri="{BB962C8B-B14F-4D97-AF65-F5344CB8AC3E}">
-        <p14:creationId xmlns:p14="http://schemas.microsoft.com/office/powerpoint/2010/main" val="3423126428"/>
-      </p:ext>
-    </p:extLst>
-  </p:cSld>
-  <p:clrMapOvr>
-    <a:masterClrMapping/>
-  </p:clrMapOvr>
-</p:notes>
-</file>
-
-<file path=ppt/notesSlides/notesSlide5.xml><?xml version="1.0" encoding="utf-8"?>
-<p:notes xmlns:a="http://schemas.openxmlformats.org/drawingml/2006/main" xmlns:r="http://schemas.openxmlformats.org/officeDocument/2006/relationships" xmlns:p="http://schemas.openxmlformats.org/presentationml/2006/main">
-  <p:cSld>
-    <p:spTree>
-      <p:nvGrpSpPr>
-        <p:cNvPr id="1" name=""/>
-        <p:cNvGrpSpPr/>
-        <p:nvPr/>
-      </p:nvGrpSpPr>
-      <p:grpSpPr>
-        <a:xfrm>
-          <a:off x="0" y="0"/>
-          <a:ext cx="0" cy="0"/>
-          <a:chOff x="0" y="0"/>
-          <a:chExt cx="0" cy="0"/>
-        </a:xfrm>
-      </p:grpSpPr>
-      <p:sp>
-        <p:nvSpPr>
-          <p:cNvPr id="2" name="Slide Image Placeholder 1"/>
-          <p:cNvSpPr>
-            <a:spLocks noGrp="1" noRot="1" noChangeAspect="1"/>
-          </p:cNvSpPr>
-          <p:nvPr>
-            <p:ph type="sldImg"/>
-          </p:nvPr>
-        </p:nvSpPr>
-        <p:spPr/>
-      </p:sp>
-      <p:sp>
-        <p:nvSpPr>
-          <p:cNvPr id="3" name="Notes Placeholder 2"/>
-          <p:cNvSpPr>
-            <a:spLocks noGrp="1"/>
-          </p:cNvSpPr>
-          <p:nvPr>
-            <p:ph type="body" idx="1"/>
-          </p:nvPr>
-        </p:nvSpPr>
-        <p:spPr/>
-        <p:txBody>
-          <a:bodyPr/>
-          <a:lstStyle/>
-          <a:p>
-            <a:r>
-              <a:rPr lang="en-US" dirty="0"/>
-              <a:t>-- Verbalizing allows others to correct anything that might be wrong. </a:t>
-            </a:r>
-          </a:p>
-        </p:txBody>
-      </p:sp>
-      <p:sp>
-        <p:nvSpPr>
-          <p:cNvPr id="4" name="Slide Number Placeholder 3"/>
-          <p:cNvSpPr>
-            <a:spLocks noGrp="1"/>
-          </p:cNvSpPr>
-          <p:nvPr>
-            <p:ph type="sldNum" sz="quarter" idx="5"/>
-          </p:nvPr>
-        </p:nvSpPr>
-        <p:spPr/>
-        <p:txBody>
-          <a:bodyPr/>
-          <a:lstStyle/>
-          <a:p>
-            <a:fld id="{8FC42398-296D-4598-8237-F6B844BE429C}" type="slidenum">
-              <a:rPr lang="en-US" smtClean="0"/>
-              <a:t>8</a:t>
-            </a:fld>
-            <a:endParaRPr lang="en-US"/>
-          </a:p>
-        </p:txBody>
-      </p:sp>
-    </p:spTree>
-    <p:extLst>
-      <p:ext uri="{BB962C8B-B14F-4D97-AF65-F5344CB8AC3E}">
-        <p14:creationId xmlns:p14="http://schemas.microsoft.com/office/powerpoint/2010/main" val="74534204"/>
-      </p:ext>
-    </p:extLst>
-  </p:cSld>
-  <p:clrMapOvr>
-    <a:masterClrMapping/>
-  </p:clrMapOvr>
-</p:notes>
-</file>
-
-<file path=ppt/notesSlides/notesSlide6.xml><?xml version="1.0" encoding="utf-8"?>
-<p:notes xmlns:a="http://schemas.openxmlformats.org/drawingml/2006/main" xmlns:r="http://schemas.openxmlformats.org/officeDocument/2006/relationships" xmlns:p="http://schemas.openxmlformats.org/presentationml/2006/main">
-  <p:cSld>
-    <p:spTree>
-      <p:nvGrpSpPr>
-        <p:cNvPr id="1" name=""/>
-        <p:cNvGrpSpPr/>
-        <p:nvPr/>
-      </p:nvGrpSpPr>
-      <p:grpSpPr>
-        <a:xfrm>
-          <a:off x="0" y="0"/>
-          <a:ext cx="0" cy="0"/>
-          <a:chOff x="0" y="0"/>
-          <a:chExt cx="0" cy="0"/>
-        </a:xfrm>
-      </p:grpSpPr>
-      <p:sp>
-        <p:nvSpPr>
-          <p:cNvPr id="2" name="Slide Image Placeholder 1"/>
-          <p:cNvSpPr>
-            <a:spLocks noGrp="1" noRot="1" noChangeAspect="1"/>
-          </p:cNvSpPr>
-          <p:nvPr>
-            <p:ph type="sldImg"/>
-          </p:nvPr>
-        </p:nvSpPr>
-        <p:spPr/>
-      </p:sp>
-      <p:sp>
-        <p:nvSpPr>
-          <p:cNvPr id="3" name="Notes Placeholder 2"/>
-          <p:cNvSpPr>
-            <a:spLocks noGrp="1"/>
-          </p:cNvSpPr>
-          <p:nvPr>
-            <p:ph type="body" idx="1"/>
-          </p:nvPr>
-        </p:nvSpPr>
-        <p:spPr/>
-        <p:txBody>
-          <a:bodyPr/>
-          <a:lstStyle/>
-          <a:p>
             <a:pPr marL="171450" indent="-171450">
               <a:buFont typeface="Wingdings" pitchFamily="2" charset="2"/>
               <a:buChar char="n"/>
@@ -1104,7 +934,7 @@
           <a:p>
             <a:fld id="{8FC42398-296D-4598-8237-F6B844BE429C}" type="slidenum">
               <a:rPr lang="en-US" smtClean="0"/>
-              <a:t>9</a:t>
+              <a:t>7</a:t>
             </a:fld>
             <a:endParaRPr lang="en-US"/>
           </a:p>
@@ -1279,7 +1109,7 @@
           <a:p>
             <a:fld id="{02AC24A9-CCB6-4F8D-B8DB-C2F3692CFA5A}" type="datetimeFigureOut">
               <a:rPr lang="en-US" smtClean="0"/>
-              <a:t>5/16/24</a:t>
+              <a:t>5/23/24</a:t>
             </a:fld>
             <a:endParaRPr lang="en-US" dirty="0"/>
           </a:p>
@@ -1649,7 +1479,7 @@
           <a:p>
             <a:fld id="{02AC24A9-CCB6-4F8D-B8DB-C2F3692CFA5A}" type="datetimeFigureOut">
               <a:rPr lang="en-US" smtClean="0"/>
-              <a:t>5/16/24</a:t>
+              <a:t>5/23/24</a:t>
             </a:fld>
             <a:endParaRPr lang="en-US"/>
           </a:p>
@@ -1858,7 +1688,7 @@
           <a:p>
             <a:fld id="{02AC24A9-CCB6-4F8D-B8DB-C2F3692CFA5A}" type="datetimeFigureOut">
               <a:rPr lang="en-US" smtClean="0"/>
-              <a:t>5/16/24</a:t>
+              <a:t>5/23/24</a:t>
             </a:fld>
             <a:endParaRPr lang="en-US"/>
           </a:p>
@@ -2328,7 +2158,7 @@
           <a:p>
             <a:fld id="{02AC24A9-CCB6-4F8D-B8DB-C2F3692CFA5A}" type="datetimeFigureOut">
               <a:rPr lang="en-US" smtClean="0"/>
-              <a:t>5/16/24</a:t>
+              <a:t>5/23/24</a:t>
             </a:fld>
             <a:endParaRPr lang="en-US"/>
           </a:p>
@@ -2782,7 +2612,7 @@
           <a:p>
             <a:fld id="{02AC24A9-CCB6-4F8D-B8DB-C2F3692CFA5A}" type="datetimeFigureOut">
               <a:rPr lang="en-US" smtClean="0"/>
-              <a:t>5/16/24</a:t>
+              <a:t>5/23/24</a:t>
             </a:fld>
             <a:endParaRPr lang="en-US"/>
           </a:p>
@@ -3314,7 +3144,7 @@
           <a:p>
             <a:fld id="{02AC24A9-CCB6-4F8D-B8DB-C2F3692CFA5A}" type="datetimeFigureOut">
               <a:rPr lang="en-US" smtClean="0"/>
-              <a:t>5/16/24</a:t>
+              <a:t>5/23/24</a:t>
             </a:fld>
             <a:endParaRPr lang="en-US"/>
           </a:p>
@@ -4013,7 +3843,7 @@
           <a:p>
             <a:fld id="{02AC24A9-CCB6-4F8D-B8DB-C2F3692CFA5A}" type="datetimeFigureOut">
               <a:rPr lang="en-US" smtClean="0"/>
-              <a:t>5/16/24</a:t>
+              <a:t>5/23/24</a:t>
             </a:fld>
             <a:endParaRPr lang="en-US"/>
           </a:p>
@@ -4342,7 +4172,7 @@
           <a:p>
             <a:fld id="{02AC24A9-CCB6-4F8D-B8DB-C2F3692CFA5A}" type="datetimeFigureOut">
               <a:rPr lang="en-US" smtClean="0"/>
-              <a:t>5/16/24</a:t>
+              <a:t>5/23/24</a:t>
             </a:fld>
             <a:endParaRPr lang="en-US"/>
           </a:p>
@@ -4455,7 +4285,7 @@
           <a:p>
             <a:fld id="{02AC24A9-CCB6-4F8D-B8DB-C2F3692CFA5A}" type="datetimeFigureOut">
               <a:rPr lang="en-US" smtClean="0"/>
-              <a:t>5/16/24</a:t>
+              <a:t>5/23/24</a:t>
             </a:fld>
             <a:endParaRPr lang="en-US"/>
           </a:p>
@@ -4950,7 +4780,7 @@
           <a:p>
             <a:fld id="{02AC24A9-CCB6-4F8D-B8DB-C2F3692CFA5A}" type="datetimeFigureOut">
               <a:rPr lang="en-US" smtClean="0"/>
-              <a:t>5/16/24</a:t>
+              <a:t>5/23/24</a:t>
             </a:fld>
             <a:endParaRPr lang="en-US" dirty="0"/>
           </a:p>
@@ -5427,7 +5257,7 @@
           <a:p>
             <a:fld id="{02AC24A9-CCB6-4F8D-B8DB-C2F3692CFA5A}" type="datetimeFigureOut">
               <a:rPr lang="en-US" smtClean="0"/>
-              <a:t>5/16/24</a:t>
+              <a:t>5/23/24</a:t>
             </a:fld>
             <a:endParaRPr lang="en-US"/>
           </a:p>
@@ -5670,7 +5500,7 @@
           <a:p>
             <a:fld id="{02AC24A9-CCB6-4F8D-B8DB-C2F3692CFA5A}" type="datetimeFigureOut">
               <a:rPr lang="en-US" smtClean="0"/>
-              <a:t>5/16/24</a:t>
+              <a:t>5/23/24</a:t>
             </a:fld>
             <a:endParaRPr lang="en-US"/>
           </a:p>
@@ -6071,846 +5901,6 @@
 </file>
 
 <file path=ppt/slides/slide1.xml><?xml version="1.0" encoding="utf-8"?>
-<p:sld xmlns:a="http://schemas.openxmlformats.org/drawingml/2006/main" xmlns:r="http://schemas.openxmlformats.org/officeDocument/2006/relationships" xmlns:p="http://schemas.openxmlformats.org/presentationml/2006/main">
-  <p:cSld>
-    <p:bg>
-      <p:bgPr>
-        <a:solidFill>
-          <a:schemeClr val="bg1"/>
-        </a:solidFill>
-        <a:effectLst/>
-      </p:bgPr>
-    </p:bg>
-    <p:spTree>
-      <p:nvGrpSpPr>
-        <p:cNvPr id="1" name=""/>
-        <p:cNvGrpSpPr/>
-        <p:nvPr/>
-      </p:nvGrpSpPr>
-      <p:grpSpPr>
-        <a:xfrm>
-          <a:off x="0" y="0"/>
-          <a:ext cx="0" cy="0"/>
-          <a:chOff x="0" y="0"/>
-          <a:chExt cx="0" cy="0"/>
-        </a:xfrm>
-      </p:grpSpPr>
-      <p:sp useBgFill="1">
-        <p:nvSpPr>
-          <p:cNvPr id="9" name="Rectangle 8">
-            <a:extLst>
-              <a:ext uri="{FF2B5EF4-FFF2-40B4-BE49-F238E27FC236}">
-                <a16:creationId xmlns:a16="http://schemas.microsoft.com/office/drawing/2014/main" id="{33E93247-6229-44AB-A550-739E971E690B}"/>
-              </a:ext>
-              <a:ext uri="{C183D7F6-B498-43B3-948B-1728B52AA6E4}">
-                <adec:decorative xmlns:adec="http://schemas.microsoft.com/office/drawing/2017/decorative" val="1"/>
-              </a:ext>
-            </a:extLst>
-          </p:cNvPr>
-          <p:cNvSpPr>
-            <a:spLocks noGrp="1" noRot="1" noChangeAspect="1" noMove="1" noResize="1" noEditPoints="1" noAdjustHandles="1" noChangeArrowheads="1" noChangeShapeType="1" noTextEdit="1"/>
-          </p:cNvSpPr>
-          <p:nvPr>
-            <p:extLst>
-              <p:ext uri="{386F3935-93C4-4BCD-93E2-E3B085C9AB24}">
-                <p16:designElem xmlns:p16="http://schemas.microsoft.com/office/powerpoint/2015/main" val="1"/>
-              </p:ext>
-            </p:extLst>
-          </p:nvPr>
-        </p:nvSpPr>
-        <p:spPr>
-          <a:xfrm>
-            <a:off x="0" y="0"/>
-            <a:ext cx="12192000" cy="6858000"/>
-          </a:xfrm>
-          <a:prstGeom prst="rect">
-            <a:avLst/>
-          </a:prstGeom>
-          <a:ln w="12700" cap="flat" cmpd="sng" algn="ctr">
-            <a:noFill/>
-            <a:prstDash val="solid"/>
-            <a:miter lim="800000"/>
-          </a:ln>
-          <a:effectLst/>
-          <a:extLst>
-            <a:ext uri="{91240B29-F687-4F45-9708-019B960494DF}">
-              <a14:hiddenLine xmlns:a14="http://schemas.microsoft.com/office/drawing/2010/main" w="12700" cap="flat" cmpd="sng" algn="ctr">
-                <a:solidFill>
-                  <a:schemeClr val="accent1">
-                    <a:shade val="50000"/>
-                  </a:schemeClr>
-                </a:solidFill>
-                <a:prstDash val="solid"/>
-                <a:miter lim="800000"/>
-              </a14:hiddenLine>
-            </a:ext>
-          </a:extLst>
-        </p:spPr>
-        <p:style>
-          <a:lnRef idx="2">
-            <a:schemeClr val="accent1">
-              <a:shade val="50000"/>
-            </a:schemeClr>
-          </a:lnRef>
-          <a:fillRef idx="1">
-            <a:schemeClr val="accent1"/>
-          </a:fillRef>
-          <a:effectRef idx="0">
-            <a:schemeClr val="accent1"/>
-          </a:effectRef>
-          <a:fontRef idx="minor">
-            <a:schemeClr val="lt1"/>
-          </a:fontRef>
-        </p:style>
-        <p:txBody>
-          <a:bodyPr rtlCol="0" anchor="ctr"/>
-          <a:lstStyle/>
-          <a:p>
-            <a:pPr marL="0" marR="0" lvl="0" indent="0" algn="ctr" defTabSz="914400" rtl="0" eaLnBrk="1" fontAlgn="auto" latinLnBrk="0" hangingPunct="1">
-              <a:lnSpc>
-                <a:spcPct val="100000"/>
-              </a:lnSpc>
-              <a:spcBef>
-                <a:spcPts val="0"/>
-              </a:spcBef>
-              <a:spcAft>
-                <a:spcPts val="0"/>
-              </a:spcAft>
-              <a:buClrTx/>
-              <a:buSzTx/>
-              <a:buFontTx/>
-              <a:buNone/>
-              <a:tabLst/>
-              <a:defRPr/>
-            </a:pPr>
-            <a:endParaRPr kumimoji="0" lang="en-US" sz="1800" b="0" i="0" u="none" strike="noStrike" kern="1200" cap="none" spc="0" normalizeH="0" baseline="0" noProof="0">
-              <a:ln>
-                <a:noFill/>
-              </a:ln>
-              <a:solidFill>
-                <a:prstClr val="white"/>
-              </a:solidFill>
-              <a:effectLst/>
-              <a:uLnTx/>
-              <a:uFillTx/>
-              <a:latin typeface="Avenir Next LT Pro"/>
-              <a:ea typeface="+mn-ea"/>
-              <a:cs typeface="+mn-cs"/>
-            </a:endParaRPr>
-          </a:p>
-        </p:txBody>
-      </p:sp>
-      <p:cxnSp>
-        <p:nvCxnSpPr>
-          <p:cNvPr id="11" name="Straight Connector 10">
-            <a:extLst>
-              <a:ext uri="{FF2B5EF4-FFF2-40B4-BE49-F238E27FC236}">
-                <a16:creationId xmlns:a16="http://schemas.microsoft.com/office/drawing/2014/main" id="{EE2E603F-4A95-4FE8-BB06-211DFD75DBEF}"/>
-              </a:ext>
-              <a:ext uri="{C183D7F6-B498-43B3-948B-1728B52AA6E4}">
-                <adec:decorative xmlns:adec="http://schemas.microsoft.com/office/drawing/2017/decorative" val="1"/>
-              </a:ext>
-            </a:extLst>
-          </p:cNvPr>
-          <p:cNvCxnSpPr>
-            <a:cxnSpLocks noGrp="1" noRot="1" noChangeAspect="1" noMove="1" noResize="1" noEditPoints="1" noAdjustHandles="1" noChangeArrowheads="1" noChangeShapeType="1"/>
-          </p:cNvCxnSpPr>
-          <p:nvPr>
-            <p:extLst>
-              <p:ext uri="{386F3935-93C4-4BCD-93E2-E3B085C9AB24}">
-                <p16:designElem xmlns:p16="http://schemas.microsoft.com/office/powerpoint/2015/main" val="1"/>
-              </p:ext>
-            </p:extLst>
-          </p:nvPr>
-        </p:nvCxnSpPr>
-        <p:spPr>
-          <a:xfrm>
-            <a:off x="800100" y="723900"/>
-            <a:ext cx="1638300" cy="0"/>
-          </a:xfrm>
-          <a:prstGeom prst="line">
-            <a:avLst/>
-          </a:prstGeom>
-          <a:ln w="44450">
-            <a:solidFill>
-              <a:schemeClr val="tx1"/>
-            </a:solidFill>
-          </a:ln>
-        </p:spPr>
-        <p:style>
-          <a:lnRef idx="1">
-            <a:schemeClr val="accent1"/>
-          </a:lnRef>
-          <a:fillRef idx="0">
-            <a:schemeClr val="accent1"/>
-          </a:fillRef>
-          <a:effectRef idx="0">
-            <a:schemeClr val="accent1"/>
-          </a:effectRef>
-          <a:fontRef idx="minor">
-            <a:schemeClr val="tx1"/>
-          </a:fontRef>
-        </p:style>
-      </p:cxnSp>
-      <p:pic>
-        <p:nvPicPr>
-          <p:cNvPr id="4" name="Picture 3" descr="A web of dots connected">
-            <a:extLst>
-              <a:ext uri="{FF2B5EF4-FFF2-40B4-BE49-F238E27FC236}">
-                <a16:creationId xmlns:a16="http://schemas.microsoft.com/office/drawing/2014/main" id="{E95710D4-10A6-3EF3-D10C-B5E2DC12A0D5}"/>
-              </a:ext>
-            </a:extLst>
-          </p:cNvPr>
-          <p:cNvPicPr>
-            <a:picLocks noChangeAspect="1"/>
-          </p:cNvPicPr>
-          <p:nvPr/>
-        </p:nvPicPr>
-        <p:blipFill rotWithShape="1">
-          <a:blip r:embed="rId3"/>
-          <a:srcRect l="20444" r="1" b="1"/>
-          <a:stretch/>
-        </p:blipFill>
-        <p:spPr>
-          <a:xfrm>
-            <a:off x="20" y="10"/>
-            <a:ext cx="12191979" cy="6857990"/>
-          </a:xfrm>
-          <a:prstGeom prst="rect">
-            <a:avLst/>
-          </a:prstGeom>
-        </p:spPr>
-      </p:pic>
-      <p:sp>
-        <p:nvSpPr>
-          <p:cNvPr id="13" name="Rectangle 12">
-            <a:extLst>
-              <a:ext uri="{FF2B5EF4-FFF2-40B4-BE49-F238E27FC236}">
-                <a16:creationId xmlns:a16="http://schemas.microsoft.com/office/drawing/2014/main" id="{8D19661F-4B4C-74C1-7FC3-31FB14D49FEA}"/>
-              </a:ext>
-              <a:ext uri="{C183D7F6-B498-43B3-948B-1728B52AA6E4}">
-                <adec:decorative xmlns:adec="http://schemas.microsoft.com/office/drawing/2017/decorative" val="1"/>
-              </a:ext>
-            </a:extLst>
-          </p:cNvPr>
-          <p:cNvSpPr>
-            <a:spLocks noGrp="1" noRot="1" noChangeAspect="1" noMove="1" noResize="1" noEditPoints="1" noAdjustHandles="1" noChangeArrowheads="1" noChangeShapeType="1" noTextEdit="1"/>
-          </p:cNvSpPr>
-          <p:nvPr>
-            <p:extLst>
-              <p:ext uri="{386F3935-93C4-4BCD-93E2-E3B085C9AB24}">
-                <p16:designElem xmlns:p16="http://schemas.microsoft.com/office/powerpoint/2015/main" val="1"/>
-              </p:ext>
-            </p:extLst>
-          </p:nvPr>
-        </p:nvSpPr>
-        <p:spPr>
-          <a:xfrm rot="5400000">
-            <a:off x="166955" y="-166956"/>
-            <a:ext cx="6858002" cy="7191913"/>
-          </a:xfrm>
-          <a:prstGeom prst="rect">
-            <a:avLst/>
-          </a:prstGeom>
-          <a:gradFill>
-            <a:gsLst>
-              <a:gs pos="0">
-                <a:schemeClr val="bg1">
-                  <a:alpha val="0"/>
-                </a:schemeClr>
-              </a:gs>
-              <a:gs pos="46000">
-                <a:schemeClr val="bg1">
-                  <a:alpha val="55000"/>
-                </a:schemeClr>
-              </a:gs>
-              <a:gs pos="25000">
-                <a:schemeClr val="bg1">
-                  <a:alpha val="38000"/>
-                </a:schemeClr>
-              </a:gs>
-              <a:gs pos="100000">
-                <a:schemeClr val="bg1">
-                  <a:alpha val="60000"/>
-                </a:schemeClr>
-              </a:gs>
-            </a:gsLst>
-            <a:lin ang="5400000" scaled="1"/>
-          </a:gradFill>
-          <a:ln>
-            <a:noFill/>
-          </a:ln>
-        </p:spPr>
-        <p:style>
-          <a:lnRef idx="2">
-            <a:schemeClr val="accent1">
-              <a:shade val="50000"/>
-            </a:schemeClr>
-          </a:lnRef>
-          <a:fillRef idx="1">
-            <a:schemeClr val="accent1"/>
-          </a:fillRef>
-          <a:effectRef idx="0">
-            <a:schemeClr val="accent1"/>
-          </a:effectRef>
-          <a:fontRef idx="minor">
-            <a:schemeClr val="lt1"/>
-          </a:fontRef>
-        </p:style>
-        <p:txBody>
-          <a:bodyPr rtlCol="0" anchor="ctr"/>
-          <a:lstStyle/>
-          <a:p>
-            <a:pPr marL="0" marR="0" lvl="0" indent="0" algn="ctr" defTabSz="914400" rtl="0" eaLnBrk="1" fontAlgn="auto" latinLnBrk="0" hangingPunct="1">
-              <a:lnSpc>
-                <a:spcPct val="100000"/>
-              </a:lnSpc>
-              <a:spcBef>
-                <a:spcPts val="0"/>
-              </a:spcBef>
-              <a:spcAft>
-                <a:spcPts val="0"/>
-              </a:spcAft>
-              <a:buClrTx/>
-              <a:buSzTx/>
-              <a:buFontTx/>
-              <a:buNone/>
-              <a:tabLst/>
-              <a:defRPr/>
-            </a:pPr>
-            <a:endParaRPr kumimoji="0" lang="en-US" sz="1800" b="0" i="0" u="none" strike="noStrike" kern="1200" cap="none" spc="0" normalizeH="0" baseline="0" noProof="0">
-              <a:ln>
-                <a:noFill/>
-              </a:ln>
-              <a:solidFill>
-                <a:prstClr val="white"/>
-              </a:solidFill>
-              <a:effectLst/>
-              <a:uLnTx/>
-              <a:uFillTx/>
-              <a:latin typeface="Avenir Next LT Pro"/>
-              <a:ea typeface="+mn-ea"/>
-              <a:cs typeface="+mn-cs"/>
-            </a:endParaRPr>
-          </a:p>
-        </p:txBody>
-      </p:sp>
-      <p:sp>
-        <p:nvSpPr>
-          <p:cNvPr id="2" name="Title 1">
-            <a:extLst>
-              <a:ext uri="{FF2B5EF4-FFF2-40B4-BE49-F238E27FC236}">
-                <a16:creationId xmlns:a16="http://schemas.microsoft.com/office/drawing/2014/main" id="{D249BEFE-D6F3-76BB-C359-BEB85A91BE26}"/>
-              </a:ext>
-            </a:extLst>
-          </p:cNvPr>
-          <p:cNvSpPr>
-            <a:spLocks noGrp="1"/>
-          </p:cNvSpPr>
-          <p:nvPr>
-            <p:ph type="ctrTitle"/>
-          </p:nvPr>
-        </p:nvSpPr>
-        <p:spPr>
-          <a:xfrm>
-            <a:off x="475488" y="1124712"/>
-            <a:ext cx="4023360" cy="3200400"/>
-          </a:xfrm>
-        </p:spPr>
-        <p:txBody>
-          <a:bodyPr anchor="b">
-            <a:normAutofit/>
-          </a:bodyPr>
-          <a:lstStyle/>
-          <a:p>
-            <a:r>
-              <a:rPr lang="en-US" sz="4800" dirty="0">
-                <a:latin typeface="Calibri" panose="020F0502020204030204" pitchFamily="34" charset="0"/>
-                <a:cs typeface="Calibri" panose="020F0502020204030204" pitchFamily="34" charset="0"/>
-              </a:rPr>
-              <a:t>Code Blue Training: Etiology</a:t>
-            </a:r>
-          </a:p>
-        </p:txBody>
-      </p:sp>
-      <p:sp>
-        <p:nvSpPr>
-          <p:cNvPr id="3" name="Subtitle 2">
-            <a:extLst>
-              <a:ext uri="{FF2B5EF4-FFF2-40B4-BE49-F238E27FC236}">
-                <a16:creationId xmlns:a16="http://schemas.microsoft.com/office/drawing/2014/main" id="{B319D29B-7B42-F732-10C0-559497EB0391}"/>
-              </a:ext>
-            </a:extLst>
-          </p:cNvPr>
-          <p:cNvSpPr>
-            <a:spLocks noGrp="1"/>
-          </p:cNvSpPr>
-          <p:nvPr>
-            <p:ph type="subTitle" idx="1"/>
-          </p:nvPr>
-        </p:nvSpPr>
-        <p:spPr>
-          <a:xfrm>
-            <a:off x="475488" y="4873752"/>
-            <a:ext cx="4023360" cy="1207008"/>
-          </a:xfrm>
-        </p:spPr>
-        <p:txBody>
-          <a:bodyPr anchor="t">
-            <a:normAutofit/>
-          </a:bodyPr>
-          <a:lstStyle/>
-          <a:p>
-            <a:r>
-              <a:rPr lang="en-US" sz="2000" dirty="0">
-                <a:latin typeface="Calibri" panose="020F0502020204030204" pitchFamily="34" charset="0"/>
-                <a:cs typeface="Calibri" panose="020F0502020204030204" pitchFamily="34" charset="0"/>
-              </a:rPr>
-              <a:t>Moving Beyond the H’s and T’s</a:t>
-            </a:r>
-          </a:p>
-        </p:txBody>
-      </p:sp>
-      <p:sp>
-        <p:nvSpPr>
-          <p:cNvPr id="15" name="Rectangle 14">
-            <a:extLst>
-              <a:ext uri="{FF2B5EF4-FFF2-40B4-BE49-F238E27FC236}">
-                <a16:creationId xmlns:a16="http://schemas.microsoft.com/office/drawing/2014/main" id="{2165A4AE-FFE9-B2D5-017C-17337DDB3F3B}"/>
-              </a:ext>
-              <a:ext uri="{C183D7F6-B498-43B3-948B-1728B52AA6E4}">
-                <adec:decorative xmlns:adec="http://schemas.microsoft.com/office/drawing/2017/decorative" val="1"/>
-              </a:ext>
-            </a:extLst>
-          </p:cNvPr>
-          <p:cNvSpPr>
-            <a:spLocks noGrp="1" noRot="1" noChangeAspect="1" noMove="1" noResize="1" noEditPoints="1" noAdjustHandles="1" noChangeArrowheads="1" noChangeShapeType="1" noTextEdit="1"/>
-          </p:cNvSpPr>
-          <p:nvPr>
-            <p:extLst>
-              <p:ext uri="{386F3935-93C4-4BCD-93E2-E3B085C9AB24}">
-                <p16:designElem xmlns:p16="http://schemas.microsoft.com/office/powerpoint/2015/main" val="1"/>
-              </p:ext>
-            </p:extLst>
-          </p:nvPr>
-        </p:nvSpPr>
-        <p:spPr>
-          <a:xfrm rot="5400000">
-            <a:off x="759921" y="346791"/>
-            <a:ext cx="146304" cy="704088"/>
-          </a:xfrm>
-          <a:prstGeom prst="rect">
-            <a:avLst/>
-          </a:prstGeom>
-          <a:solidFill>
-            <a:schemeClr val="accent1"/>
-          </a:solidFill>
-          <a:ln>
-            <a:noFill/>
-          </a:ln>
-        </p:spPr>
-        <p:style>
-          <a:lnRef idx="2">
-            <a:schemeClr val="accent1">
-              <a:shade val="50000"/>
-            </a:schemeClr>
-          </a:lnRef>
-          <a:fillRef idx="1">
-            <a:schemeClr val="accent1"/>
-          </a:fillRef>
-          <a:effectRef idx="0">
-            <a:schemeClr val="accent1"/>
-          </a:effectRef>
-          <a:fontRef idx="minor">
-            <a:schemeClr val="lt1"/>
-          </a:fontRef>
-        </p:style>
-        <p:txBody>
-          <a:bodyPr rtlCol="0" anchor="ctr"/>
-          <a:lstStyle/>
-          <a:p>
-            <a:pPr marL="0" marR="0" lvl="0" indent="0" algn="ctr" defTabSz="914400" rtl="0" eaLnBrk="1" fontAlgn="auto" latinLnBrk="0" hangingPunct="1">
-              <a:lnSpc>
-                <a:spcPct val="100000"/>
-              </a:lnSpc>
-              <a:spcBef>
-                <a:spcPts val="0"/>
-              </a:spcBef>
-              <a:spcAft>
-                <a:spcPts val="0"/>
-              </a:spcAft>
-              <a:buClrTx/>
-              <a:buSzTx/>
-              <a:buFontTx/>
-              <a:buNone/>
-              <a:tabLst/>
-              <a:defRPr/>
-            </a:pPr>
-            <a:endParaRPr kumimoji="0" lang="en-US" sz="1800" b="0" i="0" u="none" strike="noStrike" kern="1200" cap="none" spc="0" normalizeH="0" baseline="0" noProof="0">
-              <a:ln>
-                <a:noFill/>
-              </a:ln>
-              <a:solidFill>
-                <a:prstClr val="white"/>
-              </a:solidFill>
-              <a:effectLst/>
-              <a:uLnTx/>
-              <a:uFillTx/>
-              <a:latin typeface="Calibri" panose="020F0502020204030204"/>
-              <a:ea typeface="+mn-ea"/>
-              <a:cs typeface="+mn-cs"/>
-            </a:endParaRPr>
-          </a:p>
-        </p:txBody>
-      </p:sp>
-      <p:sp>
-        <p:nvSpPr>
-          <p:cNvPr id="17" name="Rectangle 16">
-            <a:extLst>
-              <a:ext uri="{FF2B5EF4-FFF2-40B4-BE49-F238E27FC236}">
-                <a16:creationId xmlns:a16="http://schemas.microsoft.com/office/drawing/2014/main" id="{90E701D1-A34F-CF86-7316-8761C7835E03}"/>
-              </a:ext>
-              <a:ext uri="{C183D7F6-B498-43B3-948B-1728B52AA6E4}">
-                <adec:decorative xmlns:adec="http://schemas.microsoft.com/office/drawing/2017/decorative" val="1"/>
-              </a:ext>
-            </a:extLst>
-          </p:cNvPr>
-          <p:cNvSpPr>
-            <a:spLocks noGrp="1" noRot="1" noChangeAspect="1" noMove="1" noResize="1" noEditPoints="1" noAdjustHandles="1" noChangeArrowheads="1" noChangeShapeType="1" noTextEdit="1"/>
-          </p:cNvSpPr>
-          <p:nvPr>
-            <p:extLst>
-              <p:ext uri="{386F3935-93C4-4BCD-93E2-E3B085C9AB24}">
-                <p16:designElem xmlns:p16="http://schemas.microsoft.com/office/powerpoint/2015/main" val="1"/>
-              </p:ext>
-            </p:extLst>
-          </p:nvPr>
-        </p:nvSpPr>
-        <p:spPr>
-          <a:xfrm>
-            <a:off x="481029" y="4546920"/>
-            <a:ext cx="3977640" cy="18288"/>
-          </a:xfrm>
-          <a:prstGeom prst="rect">
-            <a:avLst/>
-          </a:prstGeom>
-          <a:solidFill>
-            <a:schemeClr val="tx2">
-              <a:lumMod val="25000"/>
-              <a:lumOff val="75000"/>
-            </a:schemeClr>
-          </a:solidFill>
-          <a:ln w="3175">
-            <a:noFill/>
-          </a:ln>
-          <a:effectLst/>
-        </p:spPr>
-        <p:style>
-          <a:lnRef idx="2">
-            <a:schemeClr val="accent1">
-              <a:shade val="50000"/>
-            </a:schemeClr>
-          </a:lnRef>
-          <a:fillRef idx="1">
-            <a:schemeClr val="accent1"/>
-          </a:fillRef>
-          <a:effectRef idx="0">
-            <a:schemeClr val="accent1"/>
-          </a:effectRef>
-          <a:fontRef idx="minor">
-            <a:schemeClr val="lt1"/>
-          </a:fontRef>
-        </p:style>
-        <p:txBody>
-          <a:bodyPr rtlCol="0" anchor="ctr"/>
-          <a:lstStyle/>
-          <a:p>
-            <a:pPr marL="0" marR="0" lvl="0" indent="0" algn="ctr" defTabSz="914400" rtl="0" eaLnBrk="1" fontAlgn="auto" latinLnBrk="0" hangingPunct="1">
-              <a:lnSpc>
-                <a:spcPct val="100000"/>
-              </a:lnSpc>
-              <a:spcBef>
-                <a:spcPts val="0"/>
-              </a:spcBef>
-              <a:spcAft>
-                <a:spcPts val="0"/>
-              </a:spcAft>
-              <a:buClrTx/>
-              <a:buSzTx/>
-              <a:buFontTx/>
-              <a:buNone/>
-              <a:tabLst/>
-              <a:defRPr/>
-            </a:pPr>
-            <a:endParaRPr kumimoji="0" lang="en-US" sz="1800" b="0" i="0" u="none" strike="noStrike" kern="1200" cap="none" spc="0" normalizeH="0" baseline="0" noProof="0">
-              <a:ln>
-                <a:noFill/>
-              </a:ln>
-              <a:solidFill>
-                <a:prstClr val="white"/>
-              </a:solidFill>
-              <a:effectLst/>
-              <a:uLnTx/>
-              <a:uFillTx/>
-              <a:latin typeface="Calibri" panose="020F0502020204030204"/>
-              <a:ea typeface="+mn-ea"/>
-              <a:cs typeface="+mn-cs"/>
-            </a:endParaRPr>
-          </a:p>
-        </p:txBody>
-      </p:sp>
-    </p:spTree>
-    <p:extLst>
-      <p:ext uri="{BB962C8B-B14F-4D97-AF65-F5344CB8AC3E}">
-        <p14:creationId xmlns:p14="http://schemas.microsoft.com/office/powerpoint/2010/main" val="1644581846"/>
-      </p:ext>
-    </p:extLst>
-  </p:cSld>
-  <p:clrMapOvr>
-    <a:overrideClrMapping bg1="dk1" tx1="lt1" bg2="dk2" tx2="lt2" accent1="accent1" accent2="accent2" accent3="accent3" accent4="accent4" accent5="accent5" accent6="accent6" hlink="hlink" folHlink="folHlink"/>
-  </p:clrMapOvr>
-</p:sld>
-</file>
-
-<file path=ppt/slides/slide2.xml><?xml version="1.0" encoding="utf-8"?>
-<p:sld xmlns:a="http://schemas.openxmlformats.org/drawingml/2006/main" xmlns:r="http://schemas.openxmlformats.org/officeDocument/2006/relationships" xmlns:p="http://schemas.openxmlformats.org/presentationml/2006/main">
-  <p:cSld>
-    <p:spTree>
-      <p:nvGrpSpPr>
-        <p:cNvPr id="1" name=""/>
-        <p:cNvGrpSpPr/>
-        <p:nvPr/>
-      </p:nvGrpSpPr>
-      <p:grpSpPr>
-        <a:xfrm>
-          <a:off x="0" y="0"/>
-          <a:ext cx="0" cy="0"/>
-          <a:chOff x="0" y="0"/>
-          <a:chExt cx="0" cy="0"/>
-        </a:xfrm>
-      </p:grpSpPr>
-      <p:sp>
-        <p:nvSpPr>
-          <p:cNvPr id="2" name="Title 1">
-            <a:extLst>
-              <a:ext uri="{FF2B5EF4-FFF2-40B4-BE49-F238E27FC236}">
-                <a16:creationId xmlns:a16="http://schemas.microsoft.com/office/drawing/2014/main" id="{C2D59614-F14D-6908-9AC2-EB2DBCD1167C}"/>
-              </a:ext>
-            </a:extLst>
-          </p:cNvPr>
-          <p:cNvSpPr>
-            <a:spLocks noGrp="1"/>
-          </p:cNvSpPr>
-          <p:nvPr>
-            <p:ph type="title"/>
-          </p:nvPr>
-        </p:nvSpPr>
-        <p:spPr/>
-        <p:txBody>
-          <a:bodyPr>
-            <a:normAutofit/>
-          </a:bodyPr>
-          <a:lstStyle/>
-          <a:p>
-            <a:r>
-              <a:rPr lang="en-US" dirty="0">
-                <a:latin typeface="Calibri" panose="020F0502020204030204" pitchFamily="34" charset="0"/>
-                <a:cs typeface="Calibri" panose="020F0502020204030204" pitchFamily="34" charset="0"/>
-              </a:rPr>
-              <a:t>Set up for success: determine roles in advance.</a:t>
-            </a:r>
-          </a:p>
-        </p:txBody>
-      </p:sp>
-      <p:sp>
-        <p:nvSpPr>
-          <p:cNvPr id="3" name="Content Placeholder 2">
-            <a:extLst>
-              <a:ext uri="{FF2B5EF4-FFF2-40B4-BE49-F238E27FC236}">
-                <a16:creationId xmlns:a16="http://schemas.microsoft.com/office/drawing/2014/main" id="{B78B3597-C9FD-AFB6-748D-E648C5CA185A}"/>
-              </a:ext>
-            </a:extLst>
-          </p:cNvPr>
-          <p:cNvSpPr>
-            <a:spLocks noGrp="1"/>
-          </p:cNvSpPr>
-          <p:nvPr>
-            <p:ph idx="1"/>
-          </p:nvPr>
-        </p:nvSpPr>
-        <p:spPr>
-          <a:xfrm>
-            <a:off x="1115568" y="2085975"/>
-            <a:ext cx="10168128" cy="4086225"/>
-          </a:xfrm>
-        </p:spPr>
-        <p:txBody>
-          <a:bodyPr>
-            <a:normAutofit fontScale="92500" lnSpcReduction="10000"/>
-          </a:bodyPr>
-          <a:lstStyle/>
-          <a:p>
-            <a:r>
-              <a:rPr lang="en-US" dirty="0">
-                <a:latin typeface="Calibri" panose="020F0502020204030204" pitchFamily="34" charset="0"/>
-                <a:cs typeface="Calibri" panose="020F0502020204030204" pitchFamily="34" charset="0"/>
-              </a:rPr>
-              <a:t>Team/Code Lead: that’s you!</a:t>
-            </a:r>
-          </a:p>
-          <a:p>
-            <a:r>
-              <a:rPr lang="en-US" dirty="0">
-                <a:latin typeface="Calibri" panose="020F0502020204030204" pitchFamily="34" charset="0"/>
-                <a:cs typeface="Calibri" panose="020F0502020204030204" pitchFamily="34" charset="0"/>
-              </a:rPr>
-              <a:t>Computer Reviewer</a:t>
-            </a:r>
-          </a:p>
-          <a:p>
-            <a:pPr lvl="1"/>
-            <a:r>
-              <a:rPr lang="en-US" b="1" dirty="0">
-                <a:latin typeface="Calibri" panose="020F0502020204030204" pitchFamily="34" charset="0"/>
-                <a:cs typeface="Calibri" panose="020F0502020204030204" pitchFamily="34" charset="0"/>
-              </a:rPr>
-              <a:t>Verify code status.</a:t>
-            </a:r>
-          </a:p>
-          <a:p>
-            <a:pPr lvl="1"/>
-            <a:r>
-              <a:rPr lang="en-US" dirty="0">
-                <a:latin typeface="Calibri" panose="020F0502020204030204" pitchFamily="34" charset="0"/>
-                <a:cs typeface="Calibri" panose="020F0502020204030204" pitchFamily="34" charset="0"/>
-              </a:rPr>
-              <a:t>Look through history, labs, medication list.</a:t>
-            </a:r>
-          </a:p>
-          <a:p>
-            <a:r>
-              <a:rPr lang="en-US" dirty="0">
-                <a:latin typeface="Calibri" panose="020F0502020204030204" pitchFamily="34" charset="0"/>
-                <a:cs typeface="Calibri" panose="020F0502020204030204" pitchFamily="34" charset="0"/>
-              </a:rPr>
-              <a:t>History Taker</a:t>
-            </a:r>
-          </a:p>
-          <a:p>
-            <a:pPr lvl="1"/>
-            <a:r>
-              <a:rPr lang="en-US" dirty="0">
-                <a:latin typeface="Calibri" panose="020F0502020204030204" pitchFamily="34" charset="0"/>
-                <a:cs typeface="Calibri" panose="020F0502020204030204" pitchFamily="34" charset="0"/>
-              </a:rPr>
-              <a:t>Talk to family and nursing.</a:t>
-            </a:r>
-          </a:p>
-          <a:p>
-            <a:pPr lvl="1"/>
-            <a:r>
-              <a:rPr lang="en-US" dirty="0">
-                <a:latin typeface="Calibri" panose="020F0502020204030204" pitchFamily="34" charset="0"/>
-                <a:cs typeface="Calibri" panose="020F0502020204030204" pitchFamily="34" charset="0"/>
-              </a:rPr>
-              <a:t>If witnessed code, what happened?</a:t>
-            </a:r>
-          </a:p>
-          <a:p>
-            <a:r>
-              <a:rPr lang="en-US" dirty="0">
-                <a:latin typeface="Calibri" panose="020F0502020204030204" pitchFamily="34" charset="0"/>
-                <a:cs typeface="Calibri" panose="020F0502020204030204" pitchFamily="34" charset="0"/>
-              </a:rPr>
-              <a:t>Tele Monitor Review</a:t>
-            </a:r>
-          </a:p>
-          <a:p>
-            <a:pPr lvl="1"/>
-            <a:r>
-              <a:rPr lang="en-US" dirty="0">
-                <a:latin typeface="Calibri" panose="020F0502020204030204" pitchFamily="34" charset="0"/>
-                <a:cs typeface="Calibri" panose="020F0502020204030204" pitchFamily="34" charset="0"/>
-              </a:rPr>
-              <a:t>Important for arrhythmic arrest</a:t>
-            </a:r>
-          </a:p>
-          <a:p>
-            <a:pPr lvl="1"/>
-            <a:endParaRPr lang="en-US" dirty="0">
-              <a:latin typeface="Calibri" panose="020F0502020204030204" pitchFamily="34" charset="0"/>
-              <a:cs typeface="Calibri" panose="020F0502020204030204" pitchFamily="34" charset="0"/>
-            </a:endParaRPr>
-          </a:p>
-          <a:p>
-            <a:endParaRPr lang="en-US" dirty="0">
-              <a:latin typeface="Calibri" panose="020F0502020204030204" pitchFamily="34" charset="0"/>
-              <a:cs typeface="Calibri" panose="020F0502020204030204" pitchFamily="34" charset="0"/>
-            </a:endParaRPr>
-          </a:p>
-        </p:txBody>
-      </p:sp>
-      <p:pic>
-        <p:nvPicPr>
-          <p:cNvPr id="4" name="Picture 2" descr="Formula One pit stop: How does the crew work? | Daily Mail Online">
-            <a:extLst>
-              <a:ext uri="{FF2B5EF4-FFF2-40B4-BE49-F238E27FC236}">
-                <a16:creationId xmlns:a16="http://schemas.microsoft.com/office/drawing/2014/main" id="{2556251F-2CDA-06D7-1CD8-8B6B70F9C91A}"/>
-              </a:ext>
-            </a:extLst>
-          </p:cNvPr>
-          <p:cNvPicPr>
-            <a:picLocks noChangeAspect="1" noChangeArrowheads="1"/>
-          </p:cNvPicPr>
-          <p:nvPr/>
-        </p:nvPicPr>
-        <p:blipFill>
-          <a:blip r:embed="rId3">
-            <a:extLst>
-              <a:ext uri="{28A0092B-C50C-407E-A947-70E740481C1C}">
-                <a14:useLocalDpi xmlns:a14="http://schemas.microsoft.com/office/drawing/2010/main" val="0"/>
-              </a:ext>
-            </a:extLst>
-          </a:blip>
-          <a:srcRect/>
-          <a:stretch>
-            <a:fillRect/>
-          </a:stretch>
-        </p:blipFill>
-        <p:spPr bwMode="auto">
-          <a:xfrm>
-            <a:off x="7798958" y="3048643"/>
-            <a:ext cx="3597478" cy="2160888"/>
-          </a:xfrm>
-          <a:prstGeom prst="rect">
-            <a:avLst/>
-          </a:prstGeom>
-          <a:noFill/>
-          <a:extLst>
-            <a:ext uri="{909E8E84-426E-40DD-AFC4-6F175D3DCCD1}">
-              <a14:hiddenFill xmlns:a14="http://schemas.microsoft.com/office/drawing/2010/main">
-                <a:solidFill>
-                  <a:srgbClr val="FFFFFF"/>
-                </a:solidFill>
-              </a14:hiddenFill>
-            </a:ext>
-          </a:extLst>
-        </p:spPr>
-      </p:pic>
-    </p:spTree>
-    <p:extLst>
-      <p:ext uri="{BB962C8B-B14F-4D97-AF65-F5344CB8AC3E}">
-        <p14:creationId xmlns:p14="http://schemas.microsoft.com/office/powerpoint/2010/main" val="360018539"/>
-      </p:ext>
-    </p:extLst>
-  </p:cSld>
-  <p:clrMapOvr>
-    <a:masterClrMapping/>
-  </p:clrMapOvr>
-</p:sld>
-</file>
-
-<file path=ppt/slides/slide3.xml><?xml version="1.0" encoding="utf-8"?>
 <p:sld xmlns:a="http://schemas.openxmlformats.org/drawingml/2006/main" xmlns:r="http://schemas.openxmlformats.org/officeDocument/2006/relationships" xmlns:p="http://schemas.openxmlformats.org/presentationml/2006/main">
   <p:cSld>
     <p:spTree>
@@ -7524,7 +6514,7 @@
 </p:sld>
 </file>
 
-<file path=ppt/slides/slide4.xml><?xml version="1.0" encoding="utf-8"?>
+<file path=ppt/slides/slide2.xml><?xml version="1.0" encoding="utf-8"?>
 <p:sld xmlns:a="http://schemas.openxmlformats.org/drawingml/2006/main" xmlns:r="http://schemas.openxmlformats.org/officeDocument/2006/relationships" xmlns:p="http://schemas.openxmlformats.org/presentationml/2006/main">
   <p:cSld>
     <p:spTree>
@@ -7713,7 +6703,7 @@
 </p:sld>
 </file>
 
-<file path=ppt/slides/slide5.xml><?xml version="1.0" encoding="utf-8"?>
+<file path=ppt/slides/slide3.xml><?xml version="1.0" encoding="utf-8"?>
 <p:sld xmlns:a="http://schemas.openxmlformats.org/drawingml/2006/main" xmlns:r="http://schemas.openxmlformats.org/officeDocument/2006/relationships" xmlns:p="http://schemas.openxmlformats.org/presentationml/2006/main">
   <p:cSld>
     <p:spTree>
@@ -7902,7 +6892,7 @@
 </p:sld>
 </file>
 
-<file path=ppt/slides/slide6.xml><?xml version="1.0" encoding="utf-8"?>
+<file path=ppt/slides/slide4.xml><?xml version="1.0" encoding="utf-8"?>
 <p:sld xmlns:a="http://schemas.openxmlformats.org/drawingml/2006/main" xmlns:r="http://schemas.openxmlformats.org/officeDocument/2006/relationships" xmlns:p="http://schemas.openxmlformats.org/presentationml/2006/main">
   <p:cSld>
     <p:spTree>
@@ -8264,7 +7254,7 @@
 </p:sld>
 </file>
 
-<file path=ppt/slides/slide7.xml><?xml version="1.0" encoding="utf-8"?>
+<file path=ppt/slides/slide5.xml><?xml version="1.0" encoding="utf-8"?>
 <p:sld xmlns:a="http://schemas.openxmlformats.org/drawingml/2006/main" xmlns:r="http://schemas.openxmlformats.org/officeDocument/2006/relationships" xmlns:p="http://schemas.openxmlformats.org/presentationml/2006/main">
   <p:cSld>
     <p:spTree>
@@ -8879,7 +7869,7 @@
 </p:sld>
 </file>
 
-<file path=ppt/slides/slide8.xml><?xml version="1.0" encoding="utf-8"?>
+<file path=ppt/slides/slide6.xml><?xml version="1.0" encoding="utf-8"?>
 <p:sld xmlns:a="http://schemas.openxmlformats.org/drawingml/2006/main" xmlns:r="http://schemas.openxmlformats.org/officeDocument/2006/relationships" xmlns:p="http://schemas.openxmlformats.org/presentationml/2006/main">
   <p:cSld>
     <p:spTree>
@@ -9110,7 +8100,7 @@
 </p:sld>
 </file>
 
-<file path=ppt/slides/slide9.xml><?xml version="1.0" encoding="utf-8"?>
+<file path=ppt/slides/slide7.xml><?xml version="1.0" encoding="utf-8"?>
 <p:sld xmlns:a="http://schemas.openxmlformats.org/drawingml/2006/main" xmlns:r="http://schemas.openxmlformats.org/officeDocument/2006/relationships" xmlns:p="http://schemas.openxmlformats.org/presentationml/2006/main">
   <p:cSld>
     <p:spTree>
